--- a/src/travelexperts/Developers.pptx
+++ b/src/travelexperts/Developers.pptx
@@ -6,7 +6,7 @@
     <p:sldMasterId id="2147483674" r:id="rId3"/>
   </p:sldMasterIdLst>
   <p:notesMasterIdLst>
-    <p:notesMasterId r:id="rId19"/>
+    <p:notesMasterId r:id="rId21"/>
   </p:notesMasterIdLst>
   <p:sldIdLst>
     <p:sldId id="257" r:id="rId4"/>
@@ -17,13 +17,15 @@
     <p:sldId id="266" r:id="rId9"/>
     <p:sldId id="267" r:id="rId10"/>
     <p:sldId id="277" r:id="rId11"/>
-    <p:sldId id="268" r:id="rId12"/>
-    <p:sldId id="269" r:id="rId13"/>
-    <p:sldId id="273" r:id="rId14"/>
-    <p:sldId id="280" r:id="rId15"/>
-    <p:sldId id="281" r:id="rId16"/>
-    <p:sldId id="279" r:id="rId17"/>
-    <p:sldId id="276" r:id="rId18"/>
+    <p:sldId id="283" r:id="rId12"/>
+    <p:sldId id="268" r:id="rId13"/>
+    <p:sldId id="269" r:id="rId14"/>
+    <p:sldId id="273" r:id="rId15"/>
+    <p:sldId id="280" r:id="rId16"/>
+    <p:sldId id="281" r:id="rId17"/>
+    <p:sldId id="279" r:id="rId18"/>
+    <p:sldId id="276" r:id="rId19"/>
+    <p:sldId id="282" r:id="rId20"/>
   </p:sldIdLst>
   <p:sldSz cx="9144000" cy="6858000" type="screen4x3"/>
   <p:notesSz cx="6858000" cy="9144000"/>
@@ -580,7 +582,7 @@
             <a:fld id="{81331B57-0BE5-4F82-AA58-76F53EFF3ADA}" type="datetime8">
               <a:rPr lang="en-US" smtClean="0"/>
               <a:pPr/>
-              <a:t>4/16/2015 10:35 AM</a:t>
+              <a:t>4/16/2015 7:24 PM</a:t>
             </a:fld>
             <a:endParaRPr lang="en-US" dirty="0"/>
           </a:p>
@@ -774,7 +776,7 @@
             <a:fld id="{81331B57-0BE5-4F82-AA58-76F53EFF3ADA}" type="datetime8">
               <a:rPr lang="en-US" smtClean="0"/>
               <a:pPr/>
-              <a:t>4/16/2015 10:35 AM</a:t>
+              <a:t>4/16/2015 7:24 PM</a:t>
             </a:fld>
             <a:endParaRPr lang="en-US"/>
           </a:p>
@@ -958,7 +960,7 @@
             <a:fld id="{81331B57-0BE5-4F82-AA58-76F53EFF3ADA}" type="datetime8">
               <a:rPr lang="en-US" smtClean="0"/>
               <a:pPr/>
-              <a:t>4/16/2015 10:35 AM</a:t>
+              <a:t>4/16/2015 7:24 PM</a:t>
             </a:fld>
             <a:endParaRPr lang="en-US"/>
           </a:p>
@@ -4234,11 +4236,7 @@
             <a:pPr algn="ctr"/>
             <a:r>
               <a:rPr lang="en-US" dirty="0" smtClean="0"/>
-              <a:t>Intricate </a:t>
-            </a:r>
-            <a:r>
-              <a:rPr lang="en-US" dirty="0" smtClean="0"/>
-              <a:t>Developers</a:t>
+              <a:t>Intricate Developers</a:t>
             </a:r>
             <a:br>
               <a:rPr lang="en-US" dirty="0" smtClean="0"/>
@@ -4258,17 +4256,7 @@
                   </a:schemeClr>
                 </a:solidFill>
               </a:rPr>
-              <a:t>Demo </a:t>
-            </a:r>
-            <a:r>
-              <a:rPr lang="en-US" sz="3600" dirty="0" smtClean="0">
-                <a:solidFill>
-                  <a:schemeClr val="accent5">
-                    <a:lumMod val="75000"/>
-                  </a:schemeClr>
-                </a:solidFill>
-              </a:rPr>
-              <a:t>to TRAVEL EXPERTS</a:t>
+              <a:t>Demo to TRAVEL EXPERTS</a:t>
             </a:r>
             <a:endParaRPr lang="en-US" sz="3600" dirty="0">
               <a:solidFill>
@@ -4446,29 +4434,16 @@
             <p:ph type="title"/>
           </p:nvPr>
         </p:nvSpPr>
-        <p:spPr>
-          <a:xfrm>
-            <a:off x="381000" y="230188"/>
-            <a:ext cx="8382000" cy="443198"/>
-          </a:xfrm>
-        </p:spPr>
+        <p:spPr/>
         <p:txBody>
           <a:bodyPr/>
           <a:lstStyle/>
           <a:p>
             <a:r>
-              <a:rPr lang="en-US" sz="3200" dirty="0" smtClean="0"/>
-              <a:t>Java and Eclipse</a:t>
-            </a:r>
-            <a:r>
-              <a:rPr lang="en-US" sz="3200" dirty="0" smtClean="0"/>
-              <a:t> </a:t>
-            </a:r>
-            <a:r>
-              <a:rPr lang="en-US" sz="3200" dirty="0" smtClean="0"/>
-              <a:t>– Package Manager</a:t>
-            </a:r>
-            <a:endParaRPr lang="en-US" sz="3200" dirty="0"/>
+              <a:rPr lang="en-US" dirty="0" smtClean="0"/>
+              <a:t>Agents Form</a:t>
+            </a:r>
+            <a:endParaRPr lang="en-US" dirty="0"/>
           </a:p>
         </p:txBody>
       </p:sp>
@@ -4480,8 +4455,8 @@
         </p:nvSpPr>
         <p:spPr>
           <a:xfrm>
-            <a:off x="360726" y="762000"/>
-            <a:ext cx="7335473" cy="1237262"/>
+            <a:off x="304800" y="990601"/>
+            <a:ext cx="7924800" cy="1428083"/>
           </a:xfrm>
           <a:prstGeom prst="rect">
             <a:avLst/>
@@ -4505,7 +4480,7 @@
               </a:buBlip>
             </a:pPr>
             <a:r>
-              <a:rPr lang="en-US" sz="2400" spc="-150" dirty="0" smtClean="0">
+              <a:rPr lang="en-US" sz="2800" spc="-150" dirty="0" smtClean="0">
                 <a:ln w="3175">
                   <a:noFill/>
                 </a:ln>
@@ -4533,9 +4508,9 @@
                 </a:effectLst>
                 <a:cs typeface="Arial" charset="0"/>
               </a:rPr>
-              <a:t>Employee can search using Package ID</a:t>
-            </a:r>
-            <a:endParaRPr lang="en-US" sz="2400" spc="-150" dirty="0">
+              <a:t>Employee can search using Agent Name</a:t>
+            </a:r>
+            <a:endParaRPr lang="en-US" sz="2800" spc="-150" dirty="0">
               <a:ln w="3175">
                 <a:noFill/>
               </a:ln>
@@ -4577,7 +4552,7 @@
               </a:buBlip>
             </a:pPr>
             <a:r>
-              <a:rPr lang="en-US" sz="2400" spc="-150" dirty="0" smtClean="0">
+              <a:rPr lang="en-US" sz="2800" spc="-150" dirty="0" smtClean="0">
                 <a:ln w="3175">
                   <a:noFill/>
                 </a:ln>
@@ -4607,7 +4582,7 @@
               </a:rPr>
               <a:t>Application pull search results from DB</a:t>
             </a:r>
-            <a:endParaRPr lang="en-US" sz="2400" spc="-150" dirty="0">
+            <a:endParaRPr lang="en-US" sz="2800" spc="-150" dirty="0">
               <a:ln w="3175">
                 <a:noFill/>
               </a:ln>
@@ -4649,7 +4624,7 @@
               </a:buBlip>
             </a:pPr>
             <a:r>
-              <a:rPr lang="en-US" sz="2400" spc="-150" dirty="0" smtClean="0">
+              <a:rPr lang="en-US" sz="2800" spc="-150" dirty="0" smtClean="0">
                 <a:ln w="3175">
                   <a:noFill/>
                 </a:ln>
@@ -4677,14 +4652,14 @@
                 </a:effectLst>
                 <a:cs typeface="Arial" charset="0"/>
               </a:rPr>
-              <a:t>Employee can add, edit and delete package</a:t>
+              <a:t>Agent details can be modified as appropriate</a:t>
             </a:r>
           </a:p>
         </p:txBody>
       </p:sp>
       <p:pic>
         <p:nvPicPr>
-          <p:cNvPr id="3" name="Picture 2"/>
+          <p:cNvPr id="6" name="Picture 5"/>
           <p:cNvPicPr>
             <a:picLocks noChangeAspect="1"/>
           </p:cNvPicPr>
@@ -4704,8 +4679,8 @@
         </p:blipFill>
         <p:spPr>
           <a:xfrm>
-            <a:off x="1295400" y="1999262"/>
-            <a:ext cx="6705600" cy="4379600"/>
+            <a:off x="1371600" y="2800328"/>
+            <a:ext cx="6781799" cy="3600472"/>
           </a:xfrm>
           <a:prstGeom prst="rect">
             <a:avLst/>
@@ -4715,7 +4690,7 @@
     </p:spTree>
     <p:extLst>
       <p:ext uri="{BB962C8B-B14F-4D97-AF65-F5344CB8AC3E}">
-        <p14:creationId xmlns:p14="http://schemas.microsoft.com/office/powerpoint/2010/main" val="881701544"/>
+        <p14:creationId xmlns:p14="http://schemas.microsoft.com/office/powerpoint/2010/main" val="4088420267"/>
       </p:ext>
     </p:extLst>
   </p:cSld>
@@ -4765,6 +4740,314 @@
         <p:spPr>
           <a:xfrm>
             <a:off x="381000" y="230188"/>
+            <a:ext cx="8382000" cy="443198"/>
+          </a:xfrm>
+        </p:spPr>
+        <p:txBody>
+          <a:bodyPr/>
+          <a:lstStyle/>
+          <a:p>
+            <a:r>
+              <a:rPr lang="en-US" sz="3200" dirty="0" smtClean="0"/>
+              <a:t>Java and Eclipse – Package Manager</a:t>
+            </a:r>
+            <a:endParaRPr lang="en-US" sz="3200" dirty="0"/>
+          </a:p>
+        </p:txBody>
+      </p:sp>
+      <p:sp>
+        <p:nvSpPr>
+          <p:cNvPr id="5" name="Rectangle 4"/>
+          <p:cNvSpPr/>
+          <p:nvPr/>
+        </p:nvSpPr>
+        <p:spPr>
+          <a:xfrm>
+            <a:off x="360726" y="762000"/>
+            <a:ext cx="7335473" cy="1237262"/>
+          </a:xfrm>
+          <a:prstGeom prst="rect">
+            <a:avLst/>
+          </a:prstGeom>
+        </p:spPr>
+        <p:txBody>
+          <a:bodyPr wrap="square">
+            <a:spAutoFit/>
+          </a:bodyPr>
+          <a:lstStyle/>
+          <a:p>
+            <a:pPr marL="396875" lvl="0" indent="-396875" defTabSz="914363">
+              <a:lnSpc>
+                <a:spcPct val="90000"/>
+              </a:lnSpc>
+              <a:spcBef>
+                <a:spcPct val="20000"/>
+              </a:spcBef>
+              <a:buBlip>
+                <a:blip r:embed="rId2"/>
+              </a:buBlip>
+            </a:pPr>
+            <a:r>
+              <a:rPr lang="en-US" sz="2400" spc="-150" dirty="0" smtClean="0">
+                <a:ln w="3175">
+                  <a:noFill/>
+                </a:ln>
+                <a:gradFill flip="none" rotWithShape="1">
+                  <a:gsLst>
+                    <a:gs pos="0">
+                      <a:srgbClr val="FFFFB9"/>
+                    </a:gs>
+                    <a:gs pos="36000">
+                      <a:srgbClr val="FFFF99"/>
+                    </a:gs>
+                    <a:gs pos="86000">
+                      <a:srgbClr val="F6AE1E"/>
+                    </a:gs>
+                  </a:gsLst>
+                  <a:lin ang="5400000" scaled="0"/>
+                  <a:tileRect/>
+                </a:gradFill>
+                <a:effectLst>
+                  <a:outerShdw blurRad="50800" dist="38100" dir="2700000" algn="tl" rotWithShape="0">
+                    <a:prstClr val="black">
+                      <a:alpha val="40000"/>
+                    </a:prstClr>
+                  </a:outerShdw>
+                </a:effectLst>
+                <a:cs typeface="Arial" charset="0"/>
+              </a:rPr>
+              <a:t>Employee can search using Package ID</a:t>
+            </a:r>
+            <a:endParaRPr lang="en-US" sz="2400" spc="-150" dirty="0">
+              <a:ln w="3175">
+                <a:noFill/>
+              </a:ln>
+              <a:gradFill flip="none" rotWithShape="1">
+                <a:gsLst>
+                  <a:gs pos="0">
+                    <a:srgbClr val="FFFFB9"/>
+                  </a:gs>
+                  <a:gs pos="36000">
+                    <a:srgbClr val="FFFF99"/>
+                  </a:gs>
+                  <a:gs pos="86000">
+                    <a:srgbClr val="F6AE1E"/>
+                  </a:gs>
+                </a:gsLst>
+                <a:lin ang="5400000" scaled="0"/>
+                <a:tileRect/>
+              </a:gradFill>
+              <a:effectLst>
+                <a:outerShdw blurRad="50800" dist="38100" dir="2700000" algn="tl" rotWithShape="0">
+                  <a:prstClr val="black">
+                    <a:alpha val="40000"/>
+                  </a:prstClr>
+                </a:outerShdw>
+              </a:effectLst>
+              <a:cs typeface="Arial" charset="0"/>
+            </a:endParaRPr>
+          </a:p>
+          <a:p>
+            <a:pPr marL="396875" lvl="0" indent="-396875" defTabSz="914363">
+              <a:lnSpc>
+                <a:spcPct val="90000"/>
+              </a:lnSpc>
+              <a:spcBef>
+                <a:spcPct val="20000"/>
+              </a:spcBef>
+              <a:buBlip>
+                <a:blip r:embed="rId2"/>
+              </a:buBlip>
+            </a:pPr>
+            <a:r>
+              <a:rPr lang="en-US" sz="2400" spc="-150" dirty="0" smtClean="0">
+                <a:ln w="3175">
+                  <a:noFill/>
+                </a:ln>
+                <a:gradFill flip="none" rotWithShape="1">
+                  <a:gsLst>
+                    <a:gs pos="0">
+                      <a:srgbClr val="FFFFB9"/>
+                    </a:gs>
+                    <a:gs pos="36000">
+                      <a:srgbClr val="FFFF99"/>
+                    </a:gs>
+                    <a:gs pos="86000">
+                      <a:srgbClr val="F6AE1E"/>
+                    </a:gs>
+                  </a:gsLst>
+                  <a:lin ang="5400000" scaled="0"/>
+                  <a:tileRect/>
+                </a:gradFill>
+                <a:effectLst>
+                  <a:outerShdw blurRad="50800" dist="38100" dir="2700000" algn="tl" rotWithShape="0">
+                    <a:prstClr val="black">
+                      <a:alpha val="40000"/>
+                    </a:prstClr>
+                  </a:outerShdw>
+                </a:effectLst>
+                <a:cs typeface="Arial" charset="0"/>
+              </a:rPr>
+              <a:t>Application pull search results from DB</a:t>
+            </a:r>
+            <a:endParaRPr lang="en-US" sz="2400" spc="-150" dirty="0">
+              <a:ln w="3175">
+                <a:noFill/>
+              </a:ln>
+              <a:gradFill flip="none" rotWithShape="1">
+                <a:gsLst>
+                  <a:gs pos="0">
+                    <a:srgbClr val="FFFFB9"/>
+                  </a:gs>
+                  <a:gs pos="36000">
+                    <a:srgbClr val="FFFF99"/>
+                  </a:gs>
+                  <a:gs pos="86000">
+                    <a:srgbClr val="F6AE1E"/>
+                  </a:gs>
+                </a:gsLst>
+                <a:lin ang="5400000" scaled="0"/>
+                <a:tileRect/>
+              </a:gradFill>
+              <a:effectLst>
+                <a:outerShdw blurRad="50800" dist="38100" dir="2700000" algn="tl" rotWithShape="0">
+                  <a:prstClr val="black">
+                    <a:alpha val="40000"/>
+                  </a:prstClr>
+                </a:outerShdw>
+              </a:effectLst>
+              <a:cs typeface="Arial" charset="0"/>
+            </a:endParaRPr>
+          </a:p>
+          <a:p>
+            <a:pPr marL="396875" lvl="0" indent="-396875" defTabSz="914363">
+              <a:lnSpc>
+                <a:spcPct val="90000"/>
+              </a:lnSpc>
+              <a:spcBef>
+                <a:spcPct val="20000"/>
+              </a:spcBef>
+              <a:buBlip>
+                <a:blip r:embed="rId2"/>
+              </a:buBlip>
+            </a:pPr>
+            <a:r>
+              <a:rPr lang="en-US" sz="2400" spc="-150" dirty="0" smtClean="0">
+                <a:ln w="3175">
+                  <a:noFill/>
+                </a:ln>
+                <a:gradFill flip="none" rotWithShape="1">
+                  <a:gsLst>
+                    <a:gs pos="0">
+                      <a:srgbClr val="FFFFB9"/>
+                    </a:gs>
+                    <a:gs pos="36000">
+                      <a:srgbClr val="FFFF99"/>
+                    </a:gs>
+                    <a:gs pos="86000">
+                      <a:srgbClr val="F6AE1E"/>
+                    </a:gs>
+                  </a:gsLst>
+                  <a:lin ang="5400000" scaled="0"/>
+                  <a:tileRect/>
+                </a:gradFill>
+                <a:effectLst>
+                  <a:outerShdw blurRad="50800" dist="38100" dir="2700000" algn="tl" rotWithShape="0">
+                    <a:prstClr val="black">
+                      <a:alpha val="40000"/>
+                    </a:prstClr>
+                  </a:outerShdw>
+                </a:effectLst>
+                <a:cs typeface="Arial" charset="0"/>
+              </a:rPr>
+              <a:t>Employee can add, edit and delete package</a:t>
+            </a:r>
+          </a:p>
+        </p:txBody>
+      </p:sp>
+      <p:pic>
+        <p:nvPicPr>
+          <p:cNvPr id="3" name="Picture 2"/>
+          <p:cNvPicPr>
+            <a:picLocks noChangeAspect="1"/>
+          </p:cNvPicPr>
+          <p:nvPr/>
+        </p:nvPicPr>
+        <p:blipFill>
+          <a:blip r:embed="rId3">
+            <a:extLst>
+              <a:ext uri="{28A0092B-C50C-407E-A947-70E740481C1C}">
+                <a14:useLocalDpi xmlns:a14="http://schemas.microsoft.com/office/drawing/2010/main" val="0"/>
+              </a:ext>
+            </a:extLst>
+          </a:blip>
+          <a:stretch>
+            <a:fillRect/>
+          </a:stretch>
+        </p:blipFill>
+        <p:spPr>
+          <a:xfrm>
+            <a:off x="1295400" y="1999262"/>
+            <a:ext cx="6705600" cy="4706338"/>
+          </a:xfrm>
+          <a:prstGeom prst="rect">
+            <a:avLst/>
+          </a:prstGeom>
+        </p:spPr>
+      </p:pic>
+    </p:spTree>
+    <p:extLst>
+      <p:ext uri="{BB962C8B-B14F-4D97-AF65-F5344CB8AC3E}">
+        <p14:creationId xmlns:p14="http://schemas.microsoft.com/office/powerpoint/2010/main" val="881701544"/>
+      </p:ext>
+    </p:extLst>
+  </p:cSld>
+  <p:clrMapOvr>
+    <a:masterClrMapping/>
+  </p:clrMapOvr>
+  <p:transition>
+    <p:fade/>
+  </p:transition>
+  <p:timing>
+    <p:tnLst>
+      <p:par>
+        <p:cTn id="1" dur="indefinite" restart="never" nodeType="tmRoot"/>
+      </p:par>
+    </p:tnLst>
+  </p:timing>
+</p:sld>
+</file>
+
+<file path=ppt/slides/slide12.xml><?xml version="1.0" encoding="utf-8"?>
+<p:sld xmlns:a="http://schemas.openxmlformats.org/drawingml/2006/main" xmlns:r="http://schemas.openxmlformats.org/officeDocument/2006/relationships" xmlns:p="http://schemas.openxmlformats.org/presentationml/2006/main">
+  <p:cSld>
+    <p:spTree>
+      <p:nvGrpSpPr>
+        <p:cNvPr id="1" name=""/>
+        <p:cNvGrpSpPr/>
+        <p:nvPr/>
+      </p:nvGrpSpPr>
+      <p:grpSpPr>
+        <a:xfrm>
+          <a:off x="0" y="0"/>
+          <a:ext cx="0" cy="0"/>
+          <a:chOff x="0" y="0"/>
+          <a:chExt cx="0" cy="0"/>
+        </a:xfrm>
+      </p:grpSpPr>
+      <p:sp>
+        <p:nvSpPr>
+          <p:cNvPr id="2" name="Title 1"/>
+          <p:cNvSpPr>
+            <a:spLocks noGrp="1"/>
+          </p:cNvSpPr>
+          <p:nvPr>
+            <p:ph type="title"/>
+          </p:nvPr>
+        </p:nvSpPr>
+        <p:spPr>
+          <a:xfrm>
+            <a:off x="381000" y="230188"/>
             <a:ext cx="8382000" cy="498598"/>
           </a:xfrm>
         </p:spPr>
@@ -4774,11 +5057,7 @@
           <a:p>
             <a:r>
               <a:rPr lang="en-US" sz="3600" dirty="0" smtClean="0"/>
-              <a:t>Supplier and Product</a:t>
-            </a:r>
-            <a:r>
-              <a:rPr lang="en-US" sz="3600" dirty="0" smtClean="0"/>
-              <a:t> Records</a:t>
+              <a:t>Supplier and Product Records</a:t>
             </a:r>
             <a:endParaRPr lang="en-US" sz="3600" dirty="0"/>
           </a:p>
@@ -4845,7 +5124,7 @@
                 </a:effectLst>
                 <a:cs typeface="Arial" charset="0"/>
               </a:rPr>
-              <a:t>Employee modifies data in Modify Supplier form</a:t>
+              <a:t>Employee modifies data</a:t>
             </a:r>
             <a:endParaRPr lang="en-US" sz="2800" spc="-150" dirty="0">
               <a:ln w="3175">
@@ -4917,7 +5196,7 @@
                 </a:effectLst>
                 <a:cs typeface="Arial" charset="0"/>
               </a:rPr>
-              <a:t>Drop down menu to select Product Type</a:t>
+              <a:t>Select Product or Supplier</a:t>
             </a:r>
             <a:endParaRPr lang="en-US" sz="2800" spc="-150" dirty="0">
               <a:ln w="3175">
@@ -4989,7 +5268,7 @@
                 </a:effectLst>
                 <a:cs typeface="Arial" charset="0"/>
               </a:rPr>
-              <a:t>Accept button to apply modifications</a:t>
+              <a:t>Link to the Supplier Product View page</a:t>
             </a:r>
           </a:p>
         </p:txBody>
@@ -5077,7 +5356,7 @@
 </p:sld>
 </file>
 
-<file path=ppt/slides/slide12.xml><?xml version="1.0" encoding="utf-8"?>
+<file path=ppt/slides/slide13.xml><?xml version="1.0" encoding="utf-8"?>
 <p:sld xmlns:a="http://schemas.openxmlformats.org/drawingml/2006/main" xmlns:r="http://schemas.openxmlformats.org/officeDocument/2006/relationships" xmlns:p="http://schemas.openxmlformats.org/presentationml/2006/main">
   <p:cSld>
     <p:spTree>
@@ -5201,7 +5480,7 @@
 </p:sld>
 </file>
 
-<file path=ppt/slides/slide13.xml><?xml version="1.0" encoding="utf-8"?>
+<file path=ppt/slides/slide14.xml><?xml version="1.0" encoding="utf-8"?>
 <p:sld xmlns:a="http://schemas.openxmlformats.org/drawingml/2006/main" xmlns:r="http://schemas.openxmlformats.org/officeDocument/2006/relationships" xmlns:p="http://schemas.openxmlformats.org/presentationml/2006/main">
   <p:cSld>
     <p:spTree>
@@ -5508,7 +5787,7 @@
                 </a:effectLst>
                 <a:cs typeface="Arial" charset="0"/>
               </a:rPr>
-              <a:t>Dynamic Web Pages using AJAX</a:t>
+              <a:t>Dynamic Web Pages using AJAX and JQuery</a:t>
             </a:r>
           </a:p>
           <a:p>
@@ -5601,7 +5880,7 @@
 </p:sld>
 </file>
 
-<file path=ppt/slides/slide14.xml><?xml version="1.0" encoding="utf-8"?>
+<file path=ppt/slides/slide15.xml><?xml version="1.0" encoding="utf-8"?>
 <p:sld xmlns:a="http://schemas.openxmlformats.org/drawingml/2006/main" xmlns:r="http://schemas.openxmlformats.org/officeDocument/2006/relationships" xmlns:p="http://schemas.openxmlformats.org/presentationml/2006/main">
   <p:cSld>
     <p:spTree>
@@ -5721,7 +6000,7 @@
 </p:sld>
 </file>
 
-<file path=ppt/slides/slide15.xml><?xml version="1.0" encoding="utf-8"?>
+<file path=ppt/slides/slide16.xml><?xml version="1.0" encoding="utf-8"?>
 <p:sld xmlns:a="http://schemas.openxmlformats.org/drawingml/2006/main" xmlns:r="http://schemas.openxmlformats.org/officeDocument/2006/relationships" xmlns:p="http://schemas.openxmlformats.org/presentationml/2006/main">
   <p:cSld>
     <p:spTree>
@@ -5831,55 +6110,7 @@
                 </a:effectLst>
                 <a:cs typeface="Arial" charset="0"/>
               </a:rPr>
-              <a:t>Java </a:t>
-            </a:r>
-            <a:r>
-              <a:rPr lang="en-US" sz="2400" spc="-150" dirty="0" smtClean="0">
-                <a:ln w="3175">
-                  <a:noFill/>
-                </a:ln>
-                <a:effectLst>
-                  <a:outerShdw blurRad="50800" dist="38100" dir="2700000" algn="tl" rotWithShape="0">
-                    <a:prstClr val="black">
-                      <a:alpha val="40000"/>
-                    </a:prstClr>
-                  </a:outerShdw>
-                </a:effectLst>
-                <a:cs typeface="Arial" charset="0"/>
-              </a:rPr>
-              <a:t>and </a:t>
-            </a:r>
-            <a:r>
-              <a:rPr lang="en-US" sz="2400" spc="-150" dirty="0" smtClean="0">
-                <a:ln w="3175">
-                  <a:noFill/>
-                </a:ln>
-                <a:effectLst>
-                  <a:outerShdw blurRad="50800" dist="38100" dir="2700000" algn="tl" rotWithShape="0">
-                    <a:prstClr val="black">
-                      <a:alpha val="40000"/>
-                    </a:prstClr>
-                  </a:outerShdw>
-                </a:effectLst>
-                <a:cs typeface="Arial" charset="0"/>
-              </a:rPr>
-              <a:t>Eclipse </a:t>
-            </a:r>
-            <a:r>
-              <a:rPr lang="en-US" sz="2400" spc="-150" dirty="0" smtClean="0">
-                <a:ln w="3175">
-                  <a:noFill/>
-                </a:ln>
-                <a:effectLst>
-                  <a:outerShdw blurRad="50800" dist="38100" dir="2700000" algn="tl" rotWithShape="0">
-                    <a:prstClr val="black">
-                      <a:alpha val="40000"/>
-                    </a:prstClr>
-                  </a:outerShdw>
-                </a:effectLst>
-                <a:cs typeface="Arial" charset="0"/>
-              </a:rPr>
-              <a:t>Platform </a:t>
+              <a:t>Java and Eclipse Platform </a:t>
             </a:r>
             <a:r>
               <a:rPr lang="en-US" sz="2400" spc="-150" dirty="0">
@@ -6104,6 +6335,126 @@
       </p:par>
     </p:tnLst>
   </p:timing>
+</p:sld>
+</file>
+
+<file path=ppt/slides/slide17.xml><?xml version="1.0" encoding="utf-8"?>
+<p:sld xmlns:a="http://schemas.openxmlformats.org/drawingml/2006/main" xmlns:r="http://schemas.openxmlformats.org/officeDocument/2006/relationships" xmlns:p="http://schemas.openxmlformats.org/presentationml/2006/main">
+  <p:cSld>
+    <p:spTree>
+      <p:nvGrpSpPr>
+        <p:cNvPr id="1" name=""/>
+        <p:cNvGrpSpPr/>
+        <p:nvPr/>
+      </p:nvGrpSpPr>
+      <p:grpSpPr>
+        <a:xfrm>
+          <a:off x="0" y="0"/>
+          <a:ext cx="0" cy="0"/>
+          <a:chOff x="0" y="0"/>
+          <a:chExt cx="0" cy="0"/>
+        </a:xfrm>
+      </p:grpSpPr>
+      <p:sp>
+        <p:nvSpPr>
+          <p:cNvPr id="2" name="Title 1"/>
+          <p:cNvSpPr>
+            <a:spLocks noGrp="1"/>
+          </p:cNvSpPr>
+          <p:nvPr>
+            <p:ph type="title"/>
+          </p:nvPr>
+        </p:nvSpPr>
+        <p:spPr>
+          <a:xfrm>
+            <a:off x="381000" y="230188"/>
+            <a:ext cx="8382000" cy="3988784"/>
+          </a:xfrm>
+        </p:spPr>
+        <p:txBody>
+          <a:bodyPr/>
+          <a:lstStyle/>
+          <a:p>
+            <a:r>
+              <a:rPr lang="en-US" dirty="0" smtClean="0"/>
+              <a:t/>
+            </a:r>
+            <a:br>
+              <a:rPr lang="en-US" dirty="0" smtClean="0"/>
+            </a:br>
+            <a:r>
+              <a:rPr lang="en-US" dirty="0" smtClean="0"/>
+              <a:t>		</a:t>
+            </a:r>
+            <a:br>
+              <a:rPr lang="en-US" dirty="0" smtClean="0"/>
+            </a:br>
+            <a:r>
+              <a:rPr lang="en-US" dirty="0"/>
+              <a:t>	</a:t>
+            </a:r>
+            <a:r>
+              <a:rPr lang="en-US" dirty="0" smtClean="0"/>
+              <a:t>	Thank you so much!</a:t>
+            </a:r>
+            <a:r>
+              <a:rPr lang="en-US" dirty="0"/>
+              <a:t/>
+            </a:r>
+            <a:br>
+              <a:rPr lang="en-US" dirty="0"/>
+            </a:br>
+            <a:r>
+              <a:rPr lang="en-US" dirty="0"/>
+              <a:t/>
+            </a:r>
+            <a:br>
+              <a:rPr lang="en-US" dirty="0"/>
+            </a:br>
+            <a:r>
+              <a:rPr lang="en-US" dirty="0" smtClean="0"/>
+              <a:t>			</a:t>
+            </a:r>
+            <a:br>
+              <a:rPr lang="en-US" dirty="0" smtClean="0"/>
+            </a:br>
+            <a:r>
+              <a:rPr lang="en-US" dirty="0"/>
+              <a:t>	</a:t>
+            </a:r>
+            <a:r>
+              <a:rPr lang="en-US" dirty="0" smtClean="0"/>
+              <a:t>		</a:t>
+            </a:r>
+            <a:r>
+              <a:rPr lang="en-US" dirty="0" smtClean="0">
+                <a:solidFill>
+                  <a:srgbClr val="7030A0"/>
+                </a:solidFill>
+              </a:rPr>
+              <a:t>Questions</a:t>
+            </a:r>
+            <a:endParaRPr lang="en-US" dirty="0">
+              <a:solidFill>
+                <a:srgbClr val="7030A0"/>
+              </a:solidFill>
+            </a:endParaRPr>
+          </a:p>
+        </p:txBody>
+      </p:sp>
+    </p:spTree>
+    <p:extLst>
+      <p:ext uri="{BB962C8B-B14F-4D97-AF65-F5344CB8AC3E}">
+        <p14:creationId xmlns:p14="http://schemas.microsoft.com/office/powerpoint/2010/main" val="2914294476"/>
+      </p:ext>
+    </p:extLst>
+  </p:cSld>
+  <p:clrMapOvr>
+    <a:masterClrMapping/>
+  </p:clrMapOvr>
+  <p:transition>
+    <p:fade/>
+  </p:transition>
 </p:sld>
 </file>
 
@@ -6208,13 +6559,8 @@
           <a:p>
             <a:r>
               <a:rPr lang="en-US" dirty="0" smtClean="0"/>
-              <a:t>Align with Travel Experts Policies and </a:t>
-            </a:r>
-            <a:r>
-              <a:rPr lang="en-US" dirty="0" smtClean="0"/>
-              <a:t>Requirements</a:t>
-            </a:r>
-            <a:endParaRPr lang="en-US" dirty="0" smtClean="0"/>
+              <a:t>Align with Travel Experts Policies and Requirements</a:t>
+            </a:r>
           </a:p>
           <a:p>
             <a:endParaRPr lang="en-US" dirty="0" smtClean="0"/>
@@ -6318,8 +6664,8 @@
         </p:nvSpPr>
         <p:spPr>
           <a:xfrm>
-            <a:off x="381000" y="1905001"/>
-            <a:ext cx="8382000" cy="2971800"/>
+            <a:off x="381000" y="1905000"/>
+            <a:ext cx="8382000" cy="4495799"/>
           </a:xfrm>
         </p:spPr>
         <p:txBody>
@@ -6330,45 +6676,70 @@
           <a:p>
             <a:r>
               <a:rPr lang="en-US" dirty="0" smtClean="0"/>
-              <a:t>Build </a:t>
-            </a:r>
+              <a:t>Build applications components using Oracle Technologies:</a:t>
+            </a:r>
+          </a:p>
+          <a:p>
+            <a:pPr lvl="1"/>
             <a:r>
               <a:rPr lang="en-US" dirty="0" smtClean="0"/>
-              <a:t>applications</a:t>
-            </a:r>
+              <a:t>Packages Maintenance</a:t>
+            </a:r>
+          </a:p>
+          <a:p>
+            <a:pPr lvl="1"/>
             <a:r>
               <a:rPr lang="en-US" dirty="0" smtClean="0"/>
-              <a:t> </a:t>
-            </a:r>
+              <a:t>Agents Maintenance</a:t>
+            </a:r>
+          </a:p>
+          <a:p>
+            <a:pPr lvl="1"/>
             <a:r>
               <a:rPr lang="en-US" dirty="0" smtClean="0"/>
-              <a:t>components using Oracle Technologies:</a:t>
+              <a:t>Customers Details </a:t>
             </a:r>
           </a:p>
           <a:p>
             <a:pPr lvl="1"/>
             <a:r>
+              <a:rPr lang="en-US" dirty="0"/>
+              <a:t>Suppliers Maintenance</a:t>
+            </a:r>
+          </a:p>
+          <a:p>
+            <a:pPr lvl="1"/>
+            <a:r>
               <a:rPr lang="en-US" dirty="0" smtClean="0"/>
-              <a:t>Java</a:t>
+              <a:t>Product Maintenance</a:t>
             </a:r>
           </a:p>
           <a:p>
             <a:pPr lvl="1"/>
             <a:r>
               <a:rPr lang="en-US" dirty="0" smtClean="0"/>
-              <a:t>Java Server Pages</a:t>
+              <a:t>Customer Login </a:t>
             </a:r>
           </a:p>
           <a:p>
             <a:pPr lvl="1"/>
-            <a:r>
-              <a:rPr lang="en-US" dirty="0" smtClean="0"/>
-              <a:t>Oracle MySQL </a:t>
-            </a:r>
-            <a:r>
-              <a:rPr lang="en-US" dirty="0" smtClean="0"/>
-              <a:t>Database</a:t>
-            </a:r>
+            <a:endParaRPr lang="en-US" dirty="0" smtClean="0"/>
+          </a:p>
+          <a:p>
+            <a:pPr lvl="1"/>
+            <a:endParaRPr lang="en-US" dirty="0"/>
+          </a:p>
+          <a:p>
+            <a:pPr lvl="1"/>
+            <a:endParaRPr lang="en-US" dirty="0" smtClean="0"/>
+          </a:p>
+          <a:p>
+            <a:pPr lvl="1"/>
+            <a:endParaRPr lang="en-US" dirty="0"/>
+          </a:p>
+          <a:p>
+            <a:pPr lvl="1"/>
+            <a:endParaRPr lang="en-US" dirty="0" smtClean="0"/>
           </a:p>
           <a:p>
             <a:pPr marL="517525" lvl="1" indent="0">
@@ -6692,23 +7063,7 @@
                   <a:srgbClr val="FFFFFF"/>
                 </a:solidFill>
               </a:rPr>
-              <a:t>Both Desktop Applications and Websites provide </a:t>
-            </a:r>
-            <a:r>
-              <a:rPr lang="en-US" sz="3200" dirty="0" smtClean="0">
-                <a:solidFill>
-                  <a:srgbClr val="FFFFFF"/>
-                </a:solidFill>
-              </a:rPr>
-              <a:t>User </a:t>
-            </a:r>
-            <a:r>
-              <a:rPr lang="en-US" sz="3200" dirty="0" smtClean="0">
-                <a:solidFill>
-                  <a:srgbClr val="FFFFFF"/>
-                </a:solidFill>
-              </a:rPr>
-              <a:t>friendly GUI</a:t>
+              <a:t>Both Desktop Applications and Websites provide User friendly GUI</a:t>
             </a:r>
           </a:p>
           <a:p>
@@ -8665,34 +9020,6 @@
               </a:rPr>
               <a:t>Model View Controller</a:t>
             </a:r>
-            <a:endParaRPr lang="en-US" sz="3600" spc="-150" dirty="0" smtClean="0">
-              <a:ln w="3175">
-                <a:noFill/>
-              </a:ln>
-              <a:gradFill flip="none" rotWithShape="1">
-                <a:gsLst>
-                  <a:gs pos="0">
-                    <a:srgbClr val="FFFFB9"/>
-                  </a:gs>
-                  <a:gs pos="36000">
-                    <a:srgbClr val="FFFF99"/>
-                  </a:gs>
-                  <a:gs pos="86000">
-                    <a:srgbClr val="F6AE1E"/>
-                  </a:gs>
-                </a:gsLst>
-                <a:lin ang="5400000" scaled="0"/>
-                <a:tileRect/>
-              </a:gradFill>
-              <a:effectLst>
-                <a:outerShdw blurRad="50800" dist="38100" dir="2700000" algn="tl" rotWithShape="0">
-                  <a:prstClr val="black">
-                    <a:alpha val="40000"/>
-                  </a:prstClr>
-                </a:outerShdw>
-              </a:effectLst>
-              <a:cs typeface="Arial" charset="0"/>
-            </a:endParaRPr>
           </a:p>
           <a:p>
             <a:pPr lvl="0" defTabSz="914363">
@@ -8879,319 +9206,45 @@
           <a:p>
             <a:r>
               <a:rPr lang="en-US" dirty="0" smtClean="0"/>
-              <a:t>Agents </a:t>
-            </a:r>
-            <a:r>
-              <a:rPr lang="en-US" dirty="0" smtClean="0"/>
-              <a:t>Form</a:t>
+              <a:t>	       VIEW</a:t>
             </a:r>
             <a:endParaRPr lang="en-US" dirty="0"/>
           </a:p>
         </p:txBody>
       </p:sp>
-      <p:sp>
-        <p:nvSpPr>
-          <p:cNvPr id="5" name="Rectangle 4"/>
-          <p:cNvSpPr/>
+      <p:pic>
+        <p:nvPicPr>
+          <p:cNvPr id="3" name="Picture 2"/>
+          <p:cNvPicPr>
+            <a:picLocks noChangeAspect="1"/>
+          </p:cNvPicPr>
           <p:nvPr/>
-        </p:nvSpPr>
+        </p:nvPicPr>
+        <p:blipFill>
+          <a:blip r:embed="rId2">
+            <a:extLst>
+              <a:ext uri="{28A0092B-C50C-407E-A947-70E740481C1C}">
+                <a14:useLocalDpi xmlns:a14="http://schemas.microsoft.com/office/drawing/2010/main" val="0"/>
+              </a:ext>
+            </a:extLst>
+          </a:blip>
+          <a:stretch>
+            <a:fillRect/>
+          </a:stretch>
+        </p:blipFill>
         <p:spPr>
           <a:xfrm>
-            <a:off x="304800" y="990601"/>
-            <a:ext cx="7924800" cy="1428083"/>
+            <a:off x="368968" y="894985"/>
+            <a:ext cx="6027942" cy="4549534"/>
           </a:xfrm>
           <a:prstGeom prst="rect">
             <a:avLst/>
           </a:prstGeom>
         </p:spPr>
-        <p:txBody>
-          <a:bodyPr wrap="square">
-            <a:spAutoFit/>
-          </a:bodyPr>
-          <a:lstStyle/>
-          <a:p>
-            <a:pPr marL="396875" lvl="0" indent="-396875" defTabSz="914363">
-              <a:lnSpc>
-                <a:spcPct val="90000"/>
-              </a:lnSpc>
-              <a:spcBef>
-                <a:spcPct val="20000"/>
-              </a:spcBef>
-              <a:buBlip>
-                <a:blip r:embed="rId2"/>
-              </a:buBlip>
-            </a:pPr>
-            <a:r>
-              <a:rPr lang="en-US" sz="2800" spc="-150" dirty="0" smtClean="0">
-                <a:ln w="3175">
-                  <a:noFill/>
-                </a:ln>
-                <a:gradFill flip="none" rotWithShape="1">
-                  <a:gsLst>
-                    <a:gs pos="0">
-                      <a:srgbClr val="FFFFB9"/>
-                    </a:gs>
-                    <a:gs pos="36000">
-                      <a:srgbClr val="FFFF99"/>
-                    </a:gs>
-                    <a:gs pos="86000">
-                      <a:srgbClr val="F6AE1E"/>
-                    </a:gs>
-                  </a:gsLst>
-                  <a:lin ang="5400000" scaled="0"/>
-                  <a:tileRect/>
-                </a:gradFill>
-                <a:effectLst>
-                  <a:outerShdw blurRad="50800" dist="38100" dir="2700000" algn="tl" rotWithShape="0">
-                    <a:prstClr val="black">
-                      <a:alpha val="40000"/>
-                    </a:prstClr>
-                  </a:outerShdw>
-                </a:effectLst>
-                <a:cs typeface="Arial" charset="0"/>
-              </a:rPr>
-              <a:t>Employee can search using </a:t>
-            </a:r>
-            <a:r>
-              <a:rPr lang="en-US" sz="2800" spc="-150" dirty="0" smtClean="0">
-                <a:ln w="3175">
-                  <a:noFill/>
-                </a:ln>
-                <a:gradFill flip="none" rotWithShape="1">
-                  <a:gsLst>
-                    <a:gs pos="0">
-                      <a:srgbClr val="FFFFB9"/>
-                    </a:gs>
-                    <a:gs pos="36000">
-                      <a:srgbClr val="FFFF99"/>
-                    </a:gs>
-                    <a:gs pos="86000">
-                      <a:srgbClr val="F6AE1E"/>
-                    </a:gs>
-                  </a:gsLst>
-                  <a:lin ang="5400000" scaled="0"/>
-                  <a:tileRect/>
-                </a:gradFill>
-                <a:effectLst>
-                  <a:outerShdw blurRad="50800" dist="38100" dir="2700000" algn="tl" rotWithShape="0">
-                    <a:prstClr val="black">
-                      <a:alpha val="40000"/>
-                    </a:prstClr>
-                  </a:outerShdw>
-                </a:effectLst>
-                <a:cs typeface="Arial" charset="0"/>
-              </a:rPr>
-              <a:t>Agent Name</a:t>
-            </a:r>
-            <a:endParaRPr lang="en-US" sz="2800" spc="-150" dirty="0">
-              <a:ln w="3175">
-                <a:noFill/>
-              </a:ln>
-              <a:gradFill flip="none" rotWithShape="1">
-                <a:gsLst>
-                  <a:gs pos="0">
-                    <a:srgbClr val="FFFFB9"/>
-                  </a:gs>
-                  <a:gs pos="36000">
-                    <a:srgbClr val="FFFF99"/>
-                  </a:gs>
-                  <a:gs pos="86000">
-                    <a:srgbClr val="F6AE1E"/>
-                  </a:gs>
-                </a:gsLst>
-                <a:lin ang="5400000" scaled="0"/>
-                <a:tileRect/>
-              </a:gradFill>
-              <a:effectLst>
-                <a:outerShdw blurRad="50800" dist="38100" dir="2700000" algn="tl" rotWithShape="0">
-                  <a:prstClr val="black">
-                    <a:alpha val="40000"/>
-                  </a:prstClr>
-                </a:outerShdw>
-              </a:effectLst>
-              <a:cs typeface="Arial" charset="0"/>
-            </a:endParaRPr>
-          </a:p>
-          <a:p>
-            <a:pPr marL="396875" lvl="0" indent="-396875" defTabSz="914363">
-              <a:lnSpc>
-                <a:spcPct val="90000"/>
-              </a:lnSpc>
-              <a:spcBef>
-                <a:spcPct val="20000"/>
-              </a:spcBef>
-              <a:buBlip>
-                <a:blip r:embed="rId2"/>
-              </a:buBlip>
-            </a:pPr>
-            <a:r>
-              <a:rPr lang="en-US" sz="2800" spc="-150" dirty="0" smtClean="0">
-                <a:ln w="3175">
-                  <a:noFill/>
-                </a:ln>
-                <a:gradFill flip="none" rotWithShape="1">
-                  <a:gsLst>
-                    <a:gs pos="0">
-                      <a:srgbClr val="FFFFB9"/>
-                    </a:gs>
-                    <a:gs pos="36000">
-                      <a:srgbClr val="FFFF99"/>
-                    </a:gs>
-                    <a:gs pos="86000">
-                      <a:srgbClr val="F6AE1E"/>
-                    </a:gs>
-                  </a:gsLst>
-                  <a:lin ang="5400000" scaled="0"/>
-                  <a:tileRect/>
-                </a:gradFill>
-                <a:effectLst>
-                  <a:outerShdw blurRad="50800" dist="38100" dir="2700000" algn="tl" rotWithShape="0">
-                    <a:prstClr val="black">
-                      <a:alpha val="40000"/>
-                    </a:prstClr>
-                  </a:outerShdw>
-                </a:effectLst>
-                <a:cs typeface="Arial" charset="0"/>
-              </a:rPr>
-              <a:t>Application pull search results from DB</a:t>
-            </a:r>
-            <a:endParaRPr lang="en-US" sz="2800" spc="-150" dirty="0">
-              <a:ln w="3175">
-                <a:noFill/>
-              </a:ln>
-              <a:gradFill flip="none" rotWithShape="1">
-                <a:gsLst>
-                  <a:gs pos="0">
-                    <a:srgbClr val="FFFFB9"/>
-                  </a:gs>
-                  <a:gs pos="36000">
-                    <a:srgbClr val="FFFF99"/>
-                  </a:gs>
-                  <a:gs pos="86000">
-                    <a:srgbClr val="F6AE1E"/>
-                  </a:gs>
-                </a:gsLst>
-                <a:lin ang="5400000" scaled="0"/>
-                <a:tileRect/>
-              </a:gradFill>
-              <a:effectLst>
-                <a:outerShdw blurRad="50800" dist="38100" dir="2700000" algn="tl" rotWithShape="0">
-                  <a:prstClr val="black">
-                    <a:alpha val="40000"/>
-                  </a:prstClr>
-                </a:outerShdw>
-              </a:effectLst>
-              <a:cs typeface="Arial" charset="0"/>
-            </a:endParaRPr>
-          </a:p>
-          <a:p>
-            <a:pPr marL="396875" lvl="0" indent="-396875" defTabSz="914363">
-              <a:lnSpc>
-                <a:spcPct val="90000"/>
-              </a:lnSpc>
-              <a:spcBef>
-                <a:spcPct val="20000"/>
-              </a:spcBef>
-              <a:buBlip>
-                <a:blip r:embed="rId2"/>
-              </a:buBlip>
-            </a:pPr>
-            <a:r>
-              <a:rPr lang="en-US" sz="2800" spc="-150" dirty="0" smtClean="0">
-                <a:ln w="3175">
-                  <a:noFill/>
-                </a:ln>
-                <a:gradFill flip="none" rotWithShape="1">
-                  <a:gsLst>
-                    <a:gs pos="0">
-                      <a:srgbClr val="FFFFB9"/>
-                    </a:gs>
-                    <a:gs pos="36000">
-                      <a:srgbClr val="FFFF99"/>
-                    </a:gs>
-                    <a:gs pos="86000">
-                      <a:srgbClr val="F6AE1E"/>
-                    </a:gs>
-                  </a:gsLst>
-                  <a:lin ang="5400000" scaled="0"/>
-                  <a:tileRect/>
-                </a:gradFill>
-                <a:effectLst>
-                  <a:outerShdw blurRad="50800" dist="38100" dir="2700000" algn="tl" rotWithShape="0">
-                    <a:prstClr val="black">
-                      <a:alpha val="40000"/>
-                    </a:prstClr>
-                  </a:outerShdw>
-                </a:effectLst>
-                <a:cs typeface="Arial" charset="0"/>
-              </a:rPr>
-              <a:t>Agent details </a:t>
-            </a:r>
-            <a:r>
-              <a:rPr lang="en-US" sz="2800" spc="-150" dirty="0" smtClean="0">
-                <a:ln w="3175">
-                  <a:noFill/>
-                </a:ln>
-                <a:gradFill flip="none" rotWithShape="1">
-                  <a:gsLst>
-                    <a:gs pos="0">
-                      <a:srgbClr val="FFFFB9"/>
-                    </a:gs>
-                    <a:gs pos="36000">
-                      <a:srgbClr val="FFFF99"/>
-                    </a:gs>
-                    <a:gs pos="86000">
-                      <a:srgbClr val="F6AE1E"/>
-                    </a:gs>
-                  </a:gsLst>
-                  <a:lin ang="5400000" scaled="0"/>
-                  <a:tileRect/>
-                </a:gradFill>
-                <a:effectLst>
-                  <a:outerShdw blurRad="50800" dist="38100" dir="2700000" algn="tl" rotWithShape="0">
-                    <a:prstClr val="black">
-                      <a:alpha val="40000"/>
-                    </a:prstClr>
-                  </a:outerShdw>
-                </a:effectLst>
-                <a:cs typeface="Arial" charset="0"/>
-              </a:rPr>
-              <a:t>can be modified as appropriate</a:t>
-            </a:r>
-            <a:endParaRPr lang="en-US" sz="2800" spc="-150" dirty="0" smtClean="0">
-              <a:ln w="3175">
-                <a:noFill/>
-              </a:ln>
-              <a:gradFill flip="none" rotWithShape="1">
-                <a:gsLst>
-                  <a:gs pos="0">
-                    <a:srgbClr val="FFFFB9"/>
-                  </a:gs>
-                  <a:gs pos="36000">
-                    <a:srgbClr val="FFFF99"/>
-                  </a:gs>
-                  <a:gs pos="86000">
-                    <a:srgbClr val="F6AE1E"/>
-                  </a:gs>
-                </a:gsLst>
-                <a:lin ang="5400000" scaled="0"/>
-                <a:tileRect/>
-              </a:gradFill>
-              <a:effectLst>
-                <a:outerShdw blurRad="50800" dist="38100" dir="2700000" algn="tl" rotWithShape="0">
-                  <a:prstClr val="black">
-                    <a:alpha val="40000"/>
-                  </a:prstClr>
-                </a:outerShdw>
-              </a:effectLst>
-              <a:cs typeface="Arial" charset="0"/>
-            </a:endParaRPr>
-          </a:p>
-        </p:txBody>
-      </p:sp>
+      </p:pic>
       <p:pic>
         <p:nvPicPr>
-          <p:cNvPr id="6" name="Picture 5"/>
+          <p:cNvPr id="4" name="Picture 3"/>
           <p:cNvPicPr>
             <a:picLocks noChangeAspect="1"/>
           </p:cNvPicPr>
@@ -9211,8 +9264,8 @@
         </p:blipFill>
         <p:spPr>
           <a:xfrm>
-            <a:off x="1371600" y="2800328"/>
-            <a:ext cx="6781799" cy="3600472"/>
+            <a:off x="3306574" y="2514600"/>
+            <a:ext cx="5837426" cy="3856054"/>
           </a:xfrm>
           <a:prstGeom prst="rect">
             <a:avLst/>
@@ -9222,7 +9275,7 @@
     </p:spTree>
     <p:extLst>
       <p:ext uri="{BB962C8B-B14F-4D97-AF65-F5344CB8AC3E}">
-        <p14:creationId xmlns:p14="http://schemas.microsoft.com/office/powerpoint/2010/main" val="4088420267"/>
+        <p14:creationId xmlns:p14="http://schemas.microsoft.com/office/powerpoint/2010/main" val="2764983707"/>
       </p:ext>
     </p:extLst>
   </p:cSld>
@@ -9232,13 +9285,6 @@
   <p:transition>
     <p:fade/>
   </p:transition>
-  <p:timing>
-    <p:tnLst>
-      <p:par>
-        <p:cTn id="1" dur="indefinite" restart="never" nodeType="tmRoot"/>
-      </p:par>
-    </p:tnLst>
-  </p:timing>
 </p:sld>
 </file>
 

--- a/src/travelexperts/Developers.pptx
+++ b/src/travelexperts/Developers.pptx
@@ -6,7 +6,7 @@
     <p:sldMasterId id="2147483674" r:id="rId3"/>
   </p:sldMasterIdLst>
   <p:notesMasterIdLst>
-    <p:notesMasterId r:id="rId21"/>
+    <p:notesMasterId r:id="rId22"/>
   </p:notesMasterIdLst>
   <p:sldIdLst>
     <p:sldId id="257" r:id="rId4"/>
@@ -23,9 +23,10 @@
     <p:sldId id="273" r:id="rId15"/>
     <p:sldId id="280" r:id="rId16"/>
     <p:sldId id="281" r:id="rId17"/>
-    <p:sldId id="279" r:id="rId18"/>
-    <p:sldId id="276" r:id="rId19"/>
-    <p:sldId id="282" r:id="rId20"/>
+    <p:sldId id="284" r:id="rId18"/>
+    <p:sldId id="279" r:id="rId19"/>
+    <p:sldId id="276" r:id="rId20"/>
+    <p:sldId id="282" r:id="rId21"/>
   </p:sldIdLst>
   <p:sldSz cx="9144000" cy="6858000" type="screen4x3"/>
   <p:notesSz cx="6858000" cy="9144000"/>
@@ -225,7 +226,7 @@
           <a:p>
             <a:fld id="{DA5EC775-880C-44CB-8AE2-3269D895F24F}" type="datetimeFigureOut">
               <a:rPr lang="en-US" smtClean="0"/>
-              <a:t>4/16/2015</a:t>
+              <a:t>4/17/2015</a:t>
             </a:fld>
             <a:endParaRPr lang="en-US"/>
           </a:p>
@@ -582,7 +583,7 @@
             <a:fld id="{81331B57-0BE5-4F82-AA58-76F53EFF3ADA}" type="datetime8">
               <a:rPr lang="en-US" smtClean="0"/>
               <a:pPr/>
-              <a:t>4/16/2015 7:24 PM</a:t>
+              <a:t>4/17/2015 8:14 AM</a:t>
             </a:fld>
             <a:endParaRPr lang="en-US" dirty="0"/>
           </a:p>
@@ -776,7 +777,7 @@
             <a:fld id="{81331B57-0BE5-4F82-AA58-76F53EFF3ADA}" type="datetime8">
               <a:rPr lang="en-US" smtClean="0"/>
               <a:pPr/>
-              <a:t>4/16/2015 7:24 PM</a:t>
+              <a:t>4/17/2015 8:13 AM</a:t>
             </a:fld>
             <a:endParaRPr lang="en-US"/>
           </a:p>
@@ -960,7 +961,7 @@
             <a:fld id="{81331B57-0BE5-4F82-AA58-76F53EFF3ADA}" type="datetime8">
               <a:rPr lang="en-US" smtClean="0"/>
               <a:pPr/>
-              <a:t>4/16/2015 7:24 PM</a:t>
+              <a:t>4/17/2015 8:13 AM</a:t>
             </a:fld>
             <a:endParaRPr lang="en-US"/>
           </a:p>
@@ -4236,17 +4237,21 @@
             <a:pPr algn="ctr"/>
             <a:r>
               <a:rPr lang="en-US" dirty="0" smtClean="0"/>
-              <a:t>Intricate Developers</a:t>
+              <a:t>Intricate </a:t>
+            </a:r>
+            <a:r>
+              <a:rPr lang="en-US" dirty="0" smtClean="0"/>
+              <a:t>Developers</a:t>
             </a:r>
             <a:br>
               <a:rPr lang="en-US" dirty="0" smtClean="0"/>
             </a:br>
             <a:r>
-              <a:rPr lang="en-US" dirty="0" smtClean="0"/>
+              <a:rPr lang="en-US" dirty="0"/>
               <a:t/>
             </a:r>
             <a:br>
-              <a:rPr lang="en-US" dirty="0" smtClean="0"/>
+              <a:rPr lang="en-US" dirty="0"/>
             </a:br>
             <a:r>
               <a:rPr lang="en-US" sz="3600" dirty="0" smtClean="0">
@@ -4256,7 +4261,17 @@
                   </a:schemeClr>
                 </a:solidFill>
               </a:rPr>
-              <a:t>Demo to TRAVEL EXPERTS</a:t>
+              <a:t>APPLICATIONS DEVELOPMENT- TRAVEL </a:t>
+            </a:r>
+            <a:r>
+              <a:rPr lang="en-US" sz="3600" dirty="0">
+                <a:solidFill>
+                  <a:schemeClr val="accent5">
+                    <a:lumMod val="75000"/>
+                  </a:schemeClr>
+                </a:solidFill>
+              </a:rPr>
+              <a:t>EXPERTS</a:t>
             </a:r>
             <a:endParaRPr lang="en-US" sz="3600" dirty="0">
               <a:solidFill>
@@ -5715,7 +5730,100 @@
                 </a:effectLst>
                 <a:cs typeface="Arial" charset="0"/>
               </a:rPr>
-              <a:t>JSP- Java Server Pages used with Oracle Database</a:t>
+              <a:t>JSP- Java Server Pages used with </a:t>
+            </a:r>
+            <a:r>
+              <a:rPr lang="en-US" sz="2800" spc="-150" dirty="0" smtClean="0">
+                <a:ln w="3175">
+                  <a:noFill/>
+                </a:ln>
+                <a:gradFill flip="none" rotWithShape="1">
+                  <a:gsLst>
+                    <a:gs pos="0">
+                      <a:srgbClr val="FFFFB9"/>
+                    </a:gs>
+                    <a:gs pos="36000">
+                      <a:srgbClr val="FFFF99"/>
+                    </a:gs>
+                    <a:gs pos="86000">
+                      <a:srgbClr val="F6AE1E"/>
+                    </a:gs>
+                  </a:gsLst>
+                  <a:lin ang="5400000" scaled="0"/>
+                  <a:tileRect/>
+                </a:gradFill>
+                <a:effectLst>
+                  <a:outerShdw blurRad="50800" dist="38100" dir="2700000" algn="tl" rotWithShape="0">
+                    <a:prstClr val="black">
+                      <a:alpha val="40000"/>
+                    </a:prstClr>
+                  </a:outerShdw>
+                </a:effectLst>
+                <a:cs typeface="Arial" charset="0"/>
+              </a:rPr>
+              <a:t>MySQL</a:t>
+            </a:r>
+            <a:r>
+              <a:rPr lang="en-US" sz="2800" spc="-150" dirty="0" smtClean="0">
+                <a:ln w="3175">
+                  <a:noFill/>
+                </a:ln>
+                <a:gradFill flip="none" rotWithShape="1">
+                  <a:gsLst>
+                    <a:gs pos="0">
+                      <a:srgbClr val="FFFFB9"/>
+                    </a:gs>
+                    <a:gs pos="36000">
+                      <a:srgbClr val="FFFF99"/>
+                    </a:gs>
+                    <a:gs pos="86000">
+                      <a:srgbClr val="F6AE1E"/>
+                    </a:gs>
+                  </a:gsLst>
+                  <a:lin ang="5400000" scaled="0"/>
+                  <a:tileRect/>
+                </a:gradFill>
+                <a:effectLst>
+                  <a:outerShdw blurRad="50800" dist="38100" dir="2700000" algn="tl" rotWithShape="0">
+                    <a:prstClr val="black">
+                      <a:alpha val="40000"/>
+                    </a:prstClr>
+                  </a:outerShdw>
+                </a:effectLst>
+                <a:cs typeface="Arial" charset="0"/>
+              </a:rPr>
+              <a:t> </a:t>
+            </a:r>
+            <a:r>
+              <a:rPr lang="en-US" sz="2800" spc="-150" dirty="0" smtClean="0">
+                <a:ln w="3175">
+                  <a:noFill/>
+                </a:ln>
+                <a:gradFill flip="none" rotWithShape="1">
+                  <a:gsLst>
+                    <a:gs pos="0">
+                      <a:srgbClr val="FFFFB9"/>
+                    </a:gs>
+                    <a:gs pos="36000">
+                      <a:srgbClr val="FFFF99"/>
+                    </a:gs>
+                    <a:gs pos="86000">
+                      <a:srgbClr val="F6AE1E"/>
+                    </a:gs>
+                  </a:gsLst>
+                  <a:lin ang="5400000" scaled="0"/>
+                  <a:tileRect/>
+                </a:gradFill>
+                <a:effectLst>
+                  <a:outerShdw blurRad="50800" dist="38100" dir="2700000" algn="tl" rotWithShape="0">
+                    <a:prstClr val="black">
+                      <a:alpha val="40000"/>
+                    </a:prstClr>
+                  </a:outerShdw>
+                </a:effectLst>
+                <a:cs typeface="Arial" charset="0"/>
+              </a:rPr>
+              <a:t>Database</a:t>
             </a:r>
             <a:endParaRPr lang="en-US" sz="2800" spc="-150" dirty="0">
               <a:ln w="3175">
@@ -5881,6 +5989,92 @@
 </file>
 
 <file path=ppt/slides/slide15.xml><?xml version="1.0" encoding="utf-8"?>
+<p:sld xmlns:a="http://schemas.openxmlformats.org/drawingml/2006/main" xmlns:r="http://schemas.openxmlformats.org/officeDocument/2006/relationships" xmlns:p="http://schemas.openxmlformats.org/presentationml/2006/main">
+  <p:cSld>
+    <p:spTree>
+      <p:nvGrpSpPr>
+        <p:cNvPr id="1" name=""/>
+        <p:cNvGrpSpPr/>
+        <p:nvPr/>
+      </p:nvGrpSpPr>
+      <p:grpSpPr>
+        <a:xfrm>
+          <a:off x="0" y="0"/>
+          <a:ext cx="0" cy="0"/>
+          <a:chOff x="0" y="0"/>
+          <a:chExt cx="0" cy="0"/>
+        </a:xfrm>
+      </p:grpSpPr>
+      <p:sp>
+        <p:nvSpPr>
+          <p:cNvPr id="2" name="Title 1"/>
+          <p:cNvSpPr>
+            <a:spLocks noGrp="1"/>
+          </p:cNvSpPr>
+          <p:nvPr>
+            <p:ph type="title"/>
+          </p:nvPr>
+        </p:nvSpPr>
+        <p:spPr/>
+        <p:txBody>
+          <a:bodyPr/>
+          <a:lstStyle/>
+          <a:p>
+            <a:r>
+              <a:rPr lang="en-US" dirty="0" smtClean="0"/>
+              <a:t>Travel Experts Website</a:t>
+            </a:r>
+            <a:endParaRPr lang="en-US" dirty="0"/>
+          </a:p>
+        </p:txBody>
+      </p:sp>
+      <p:pic>
+        <p:nvPicPr>
+          <p:cNvPr id="3" name="Picture 2"/>
+          <p:cNvPicPr>
+            <a:picLocks noChangeAspect="1"/>
+          </p:cNvPicPr>
+          <p:nvPr/>
+        </p:nvPicPr>
+        <p:blipFill>
+          <a:blip r:embed="rId2">
+            <a:extLst>
+              <a:ext uri="{28A0092B-C50C-407E-A947-70E740481C1C}">
+                <a14:useLocalDpi xmlns:a14="http://schemas.microsoft.com/office/drawing/2010/main" val="0"/>
+              </a:ext>
+            </a:extLst>
+          </a:blip>
+          <a:stretch>
+            <a:fillRect/>
+          </a:stretch>
+        </p:blipFill>
+        <p:spPr>
+          <a:xfrm>
+            <a:off x="1538976" y="1371600"/>
+            <a:ext cx="6919223" cy="4819889"/>
+          </a:xfrm>
+          <a:prstGeom prst="rect">
+            <a:avLst/>
+          </a:prstGeom>
+        </p:spPr>
+      </p:pic>
+    </p:spTree>
+    <p:extLst>
+      <p:ext uri="{BB962C8B-B14F-4D97-AF65-F5344CB8AC3E}">
+        <p14:creationId xmlns:p14="http://schemas.microsoft.com/office/powerpoint/2010/main" val="2096666825"/>
+      </p:ext>
+    </p:extLst>
+  </p:cSld>
+  <p:clrMapOvr>
+    <a:masterClrMapping/>
+  </p:clrMapOvr>
+  <p:transition>
+    <p:fade/>
+  </p:transition>
+</p:sld>
+</file>
+
+<file path=ppt/slides/slide16.xml><?xml version="1.0" encoding="utf-8"?>
 <p:sld xmlns:a="http://schemas.openxmlformats.org/drawingml/2006/main" xmlns:r="http://schemas.openxmlformats.org/officeDocument/2006/relationships" xmlns:p="http://schemas.openxmlformats.org/presentationml/2006/main">
   <p:cSld>
     <p:spTree>
@@ -6000,7 +6194,7 @@
 </p:sld>
 </file>
 
-<file path=ppt/slides/slide16.xml><?xml version="1.0" encoding="utf-8"?>
+<file path=ppt/slides/slide17.xml><?xml version="1.0" encoding="utf-8"?>
 <p:sld xmlns:a="http://schemas.openxmlformats.org/drawingml/2006/main" xmlns:r="http://schemas.openxmlformats.org/officeDocument/2006/relationships" xmlns:p="http://schemas.openxmlformats.org/presentationml/2006/main">
   <p:cSld>
     <p:spTree>
@@ -6126,7 +6320,39 @@
                 </a:effectLst>
                 <a:cs typeface="Arial" charset="0"/>
               </a:rPr>
-              <a:t>Framework has successfully been used  to  build </a:t>
+              <a:t>Framework </a:t>
+            </a:r>
+            <a:r>
+              <a:rPr lang="en-US" sz="2400" spc="-150" dirty="0" smtClean="0">
+                <a:ln w="3175">
+                  <a:noFill/>
+                </a:ln>
+                <a:effectLst>
+                  <a:outerShdw blurRad="50800" dist="38100" dir="2700000" algn="tl" rotWithShape="0">
+                    <a:prstClr val="black">
+                      <a:alpha val="40000"/>
+                    </a:prstClr>
+                  </a:outerShdw>
+                </a:effectLst>
+                <a:cs typeface="Arial" charset="0"/>
+              </a:rPr>
+              <a:t>have </a:t>
+            </a:r>
+            <a:r>
+              <a:rPr lang="en-US" sz="2400" spc="-150" dirty="0">
+                <a:ln w="3175">
+                  <a:noFill/>
+                </a:ln>
+                <a:effectLst>
+                  <a:outerShdw blurRad="50800" dist="38100" dir="2700000" algn="tl" rotWithShape="0">
+                    <a:prstClr val="black">
+                      <a:alpha val="40000"/>
+                    </a:prstClr>
+                  </a:outerShdw>
+                </a:effectLst>
+                <a:cs typeface="Arial" charset="0"/>
+              </a:rPr>
+              <a:t>successfully been used  to  build </a:t>
             </a:r>
             <a:r>
               <a:rPr lang="en-US" sz="2400" spc="-150" dirty="0" smtClean="0">
@@ -6298,6 +6524,38 @@
                 <a:cs typeface="Arial" charset="0"/>
               </a:rPr>
               <a:t>applications </a:t>
+            </a:r>
+            <a:r>
+              <a:rPr lang="en-US" sz="2400" spc="-150" dirty="0" smtClean="0">
+                <a:ln w="3175">
+                  <a:noFill/>
+                </a:ln>
+                <a:effectLst>
+                  <a:outerShdw blurRad="50800" dist="38100" dir="2700000" algn="tl" rotWithShape="0">
+                    <a:prstClr val="black">
+                      <a:alpha val="40000"/>
+                    </a:prstClr>
+                  </a:outerShdw>
+                </a:effectLst>
+                <a:cs typeface="Arial" charset="0"/>
+              </a:rPr>
+              <a:t> </a:t>
+            </a:r>
+            <a:r>
+              <a:rPr lang="en-US" sz="2400" spc="-150" smtClean="0">
+                <a:ln w="3175">
+                  <a:noFill/>
+                </a:ln>
+                <a:effectLst>
+                  <a:outerShdw blurRad="50800" dist="38100" dir="2700000" algn="tl" rotWithShape="0">
+                    <a:prstClr val="black">
+                      <a:alpha val="40000"/>
+                    </a:prstClr>
+                  </a:outerShdw>
+                </a:effectLst>
+                <a:cs typeface="Arial" charset="0"/>
+              </a:rPr>
+              <a:t>and support</a:t>
             </a:r>
             <a:endParaRPr lang="en-US" sz="2400" spc="-150" dirty="0">
               <a:ln w="3175">
@@ -6338,7 +6596,7 @@
 </p:sld>
 </file>
 
-<file path=ppt/slides/slide17.xml><?xml version="1.0" encoding="utf-8"?>
+<file path=ppt/slides/slide18.xml><?xml version="1.0" encoding="utf-8"?>
 <p:sld xmlns:a="http://schemas.openxmlformats.org/drawingml/2006/main" xmlns:r="http://schemas.openxmlformats.org/officeDocument/2006/relationships" xmlns:p="http://schemas.openxmlformats.org/presentationml/2006/main">
   <p:cSld>
     <p:spTree>
@@ -7026,7 +7284,15 @@
                   <a:srgbClr val="FFFFFF"/>
                 </a:solidFill>
               </a:rPr>
-              <a:t>Java/JSP for Server-side Website </a:t>
+              <a:t>Java/JSP for </a:t>
+            </a:r>
+            <a:r>
+              <a:rPr lang="en-US" sz="3200" dirty="0" smtClean="0">
+                <a:solidFill>
+                  <a:srgbClr val="FFFFFF"/>
+                </a:solidFill>
+              </a:rPr>
+              <a:t>Website </a:t>
             </a:r>
             <a:r>
               <a:rPr lang="en-US" sz="3200" dirty="0">
@@ -8089,7 +8355,7 @@
         <p:spPr>
           <a:xfrm>
             <a:off x="685800" y="2362200"/>
-            <a:ext cx="7848600" cy="3936462"/>
+            <a:ext cx="7848600" cy="3450175"/>
           </a:xfrm>
           <a:prstGeom prst="rect">
             <a:avLst/>
@@ -8101,7 +8367,7 @@
           </a:bodyPr>
           <a:lstStyle/>
           <a:p>
-            <a:pPr marL="396875" lvl="0" indent="-396875" defTabSz="914363">
+            <a:pPr marL="396875" indent="-396875" defTabSz="914363">
               <a:lnSpc>
                 <a:spcPct val="90000"/>
               </a:lnSpc>
@@ -8142,6 +8408,68 @@
                 <a:cs typeface="Arial" charset="0"/>
               </a:rPr>
               <a:t>Designer </a:t>
+            </a:r>
+            <a:r>
+              <a:rPr lang="en-US" sz="3200" spc="-150" dirty="0" smtClean="0">
+                <a:ln w="3175">
+                  <a:noFill/>
+                </a:ln>
+                <a:gradFill flip="none" rotWithShape="1">
+                  <a:gsLst>
+                    <a:gs pos="0">
+                      <a:srgbClr val="FFFFB9"/>
+                    </a:gs>
+                    <a:gs pos="36000">
+                      <a:srgbClr val="FFFF99"/>
+                    </a:gs>
+                    <a:gs pos="86000">
+                      <a:srgbClr val="F6AE1E"/>
+                    </a:gs>
+                  </a:gsLst>
+                  <a:lin ang="5400000" scaled="0"/>
+                  <a:tileRect/>
+                </a:gradFill>
+                <a:effectLst>
+                  <a:outerShdw blurRad="50800" dist="38100" dir="2700000" algn="tl" rotWithShape="0">
+                    <a:prstClr val="black">
+                      <a:alpha val="40000"/>
+                    </a:prstClr>
+                  </a:outerShdw>
+                </a:effectLst>
+                <a:cs typeface="Arial" charset="0"/>
+              </a:rPr>
+              <a:t> and </a:t>
+            </a:r>
+            <a:r>
+              <a:rPr lang="en-US" sz="3600" spc="-150" dirty="0" smtClean="0">
+                <a:ln w="3175">
+                  <a:noFill/>
+                </a:ln>
+                <a:gradFill flip="none" rotWithShape="1">
+                  <a:gsLst>
+                    <a:gs pos="0">
+                      <a:srgbClr val="FFFFB9"/>
+                    </a:gs>
+                    <a:gs pos="36000">
+                      <a:srgbClr val="FFFF99"/>
+                    </a:gs>
+                    <a:gs pos="86000">
+                      <a:srgbClr val="F6AE1E"/>
+                    </a:gs>
+                  </a:gsLst>
+                  <a:lin ang="5400000" scaled="0"/>
+                  <a:tileRect/>
+                </a:gradFill>
+                <a:effectLst>
+                  <a:outerShdw blurRad="50800" dist="38100" dir="2700000" algn="tl" rotWithShape="0">
+                    <a:prstClr val="black">
+                      <a:alpha val="40000"/>
+                    </a:prstClr>
+                  </a:outerShdw>
+                </a:effectLst>
+                <a:cs typeface="Arial" charset="0"/>
+              </a:rPr>
+              <a:t>Palette</a:t>
             </a:r>
             <a:endParaRPr lang="en-US" sz="3600" spc="-150" dirty="0">
               <a:ln w="3175">
@@ -8404,21 +8732,8 @@
                 </a:effectLst>
                 <a:cs typeface="Arial" charset="0"/>
               </a:rPr>
-              <a:t>Palette</a:t>
-            </a:r>
-          </a:p>
-          <a:p>
-            <a:pPr marL="396875" lvl="0" indent="-396875" defTabSz="914363">
-              <a:lnSpc>
-                <a:spcPct val="90000"/>
-              </a:lnSpc>
-              <a:spcBef>
-                <a:spcPct val="20000"/>
-              </a:spcBef>
-              <a:buBlip>
-                <a:blip r:embed="rId2"/>
-              </a:buBlip>
-            </a:pPr>
+              <a:t>Database </a:t>
+            </a:r>
             <a:r>
               <a:rPr lang="en-US" sz="3200" spc="-150" dirty="0" smtClean="0">
                 <a:ln w="3175">
@@ -8448,7 +8763,7 @@
                 </a:effectLst>
                 <a:cs typeface="Arial" charset="0"/>
               </a:rPr>
-              <a:t>Database Development and Connectivity</a:t>
+              <a:t>Development and Connectivity</a:t>
             </a:r>
             <a:r>
               <a:rPr lang="en-US" sz="3200" spc="-150" dirty="0">
